--- a/交接/content structure/content_strucure_startup.pptx
+++ b/交接/content structure/content_strucure_startup.pptx
@@ -5,7 +5,7 @@
     <p:sldMasterId id="2147483660" r:id="rId1"/>
   </p:sldMasterIdLst>
   <p:notesMasterIdLst>
-    <p:notesMasterId r:id="rId10"/>
+    <p:notesMasterId r:id="rId9"/>
   </p:notesMasterIdLst>
   <p:sldIdLst>
     <p:sldId id="256" r:id="rId2"/>
@@ -15,7 +15,6 @@
     <p:sldId id="262" r:id="rId6"/>
     <p:sldId id="259" r:id="rId7"/>
     <p:sldId id="265" r:id="rId8"/>
-    <p:sldId id="266" r:id="rId9"/>
   </p:sldIdLst>
   <p:sldSz cx="9144000" cy="6858000" type="screen4x3"/>
   <p:notesSz cx="6858000" cy="9144000"/>
@@ -114,6 +113,22 @@
       </a:defRPr>
     </a:lvl9pPr>
   </p:defaultTextStyle>
+  <p:extLst>
+    <p:ext uri="{EFAFB233-063F-42B5-8137-9DF3F51BA10A}">
+      <p15:sldGuideLst xmlns:p15="http://schemas.microsoft.com/office/powerpoint/2012/main">
+        <p15:guide id="1" orient="horz" pos="2160">
+          <p15:clr>
+            <a:srgbClr val="A4A3A4"/>
+          </p15:clr>
+        </p15:guide>
+        <p15:guide id="2" pos="2880">
+          <p15:clr>
+            <a:srgbClr val="A4A3A4"/>
+          </p15:clr>
+        </p15:guide>
+      </p15:sldGuideLst>
+    </p:ext>
+  </p:extLst>
 </p:presentation>
 </file>
 
@@ -199,7 +214,7 @@
           <a:p>
             <a:fld id="{840FA2EE-A9E7-43E7-A0D9-BD2645968DB3}" type="datetimeFigureOut">
               <a:rPr lang="zh-CN" altLang="en-US" smtClean="0"/>
-              <a:t>2017/3/27</a:t>
+              <a:t>2017/7/2</a:t>
             </a:fld>
             <a:endParaRPr lang="zh-CN" altLang="en-US"/>
           </a:p>
@@ -803,120 +818,6 @@
 </p:notes>
 </file>
 
-<file path=ppt/notesSlides/notesSlide5.xml><?xml version="1.0" encoding="utf-8"?>
-<p:notes xmlns:a="http://schemas.openxmlformats.org/drawingml/2006/main" xmlns:r="http://schemas.openxmlformats.org/officeDocument/2006/relationships" xmlns:p="http://schemas.openxmlformats.org/presentationml/2006/main">
-  <p:cSld>
-    <p:spTree>
-      <p:nvGrpSpPr>
-        <p:cNvPr id="1" name=""/>
-        <p:cNvGrpSpPr/>
-        <p:nvPr/>
-      </p:nvGrpSpPr>
-      <p:grpSpPr>
-        <a:xfrm>
-          <a:off x="0" y="0"/>
-          <a:ext cx="0" cy="0"/>
-          <a:chOff x="0" y="0"/>
-          <a:chExt cx="0" cy="0"/>
-        </a:xfrm>
-      </p:grpSpPr>
-      <p:sp>
-        <p:nvSpPr>
-          <p:cNvPr id="2" name="幻灯片图像占位符 1"/>
-          <p:cNvSpPr>
-            <a:spLocks noGrp="1" noRot="1" noChangeAspect="1"/>
-          </p:cNvSpPr>
-          <p:nvPr>
-            <p:ph type="sldImg"/>
-          </p:nvPr>
-        </p:nvSpPr>
-        <p:spPr/>
-      </p:sp>
-      <p:sp>
-        <p:nvSpPr>
-          <p:cNvPr id="3" name="备注占位符 2"/>
-          <p:cNvSpPr>
-            <a:spLocks noGrp="1"/>
-          </p:cNvSpPr>
-          <p:nvPr>
-            <p:ph type="body" idx="1"/>
-          </p:nvPr>
-        </p:nvSpPr>
-        <p:spPr/>
-        <p:txBody>
-          <a:bodyPr/>
-          <a:lstStyle/>
-          <a:p>
-            <a:r>
-              <a:rPr lang="zh-CN" altLang="en-US" dirty="0" smtClean="0"/>
-              <a:t>透出哪些标签：</a:t>
-            </a:r>
-            <a:r>
-              <a:rPr lang="en-US" altLang="zh-CN" dirty="0" smtClean="0"/>
-              <a:t>topic</a:t>
-            </a:r>
-            <a:r>
-              <a:rPr lang="en-US" altLang="zh-CN" baseline="0" dirty="0" smtClean="0"/>
-              <a:t> model, user profile(online),</a:t>
-            </a:r>
-          </a:p>
-          <a:p>
-            <a:r>
-              <a:rPr lang="zh-CN" altLang="en-US" dirty="0" smtClean="0"/>
-              <a:t>自然语言</a:t>
-            </a:r>
-            <a:r>
-              <a:rPr lang="en-US" altLang="zh-CN" dirty="0" smtClean="0"/>
-              <a:t>query</a:t>
-            </a:r>
-            <a:r>
-              <a:rPr lang="zh-CN" altLang="en-US" dirty="0" smtClean="0"/>
-              <a:t>的生成作为</a:t>
-            </a:r>
-            <a:r>
-              <a:rPr lang="en-US" altLang="zh-CN" smtClean="0"/>
-              <a:t>tag</a:t>
-            </a:r>
-            <a:endParaRPr lang="zh-CN" altLang="en-US" dirty="0"/>
-          </a:p>
-        </p:txBody>
-      </p:sp>
-      <p:sp>
-        <p:nvSpPr>
-          <p:cNvPr id="4" name="灯片编号占位符 3"/>
-          <p:cNvSpPr>
-            <a:spLocks noGrp="1"/>
-          </p:cNvSpPr>
-          <p:nvPr>
-            <p:ph type="sldNum" sz="quarter" idx="10"/>
-          </p:nvPr>
-        </p:nvSpPr>
-        <p:spPr/>
-        <p:txBody>
-          <a:bodyPr/>
-          <a:lstStyle/>
-          <a:p>
-            <a:fld id="{A216954C-DE2A-4D6C-93F4-43DF09414E16}" type="slidenum">
-              <a:rPr lang="zh-CN" altLang="en-US" smtClean="0"/>
-              <a:t>8</a:t>
-            </a:fld>
-            <a:endParaRPr lang="zh-CN" altLang="en-US"/>
-          </a:p>
-        </p:txBody>
-      </p:sp>
-    </p:spTree>
-    <p:extLst>
-      <p:ext uri="{BB962C8B-B14F-4D97-AF65-F5344CB8AC3E}">
-        <p14:creationId xmlns:p14="http://schemas.microsoft.com/office/powerpoint/2010/main" val="4243048788"/>
-      </p:ext>
-    </p:extLst>
-  </p:cSld>
-  <p:clrMapOvr>
-    <a:masterClrMapping/>
-  </p:clrMapOvr>
-</p:notes>
-</file>
-
 <file path=ppt/slideLayouts/slideLayout1.xml><?xml version="1.0" encoding="utf-8"?>
 <p:sldLayout xmlns:a="http://schemas.openxmlformats.org/drawingml/2006/main" xmlns:r="http://schemas.openxmlformats.org/officeDocument/2006/relationships" xmlns:p="http://schemas.openxmlformats.org/presentationml/2006/main" type="title" preserve="1">
   <p:cSld name="标题幻灯片">
@@ -1048,7 +949,7 @@
           <a:p>
             <a:fld id="{45077C30-8D71-4FD0-96DA-57F324E1E6FA}" type="datetimeFigureOut">
               <a:rPr lang="zh-CN" altLang="en-US" smtClean="0"/>
-              <a:t>2017/3/27</a:t>
+              <a:t>2017/7/2</a:t>
             </a:fld>
             <a:endParaRPr lang="zh-CN" altLang="en-US"/>
           </a:p>
@@ -1218,7 +1119,7 @@
           <a:p>
             <a:fld id="{45077C30-8D71-4FD0-96DA-57F324E1E6FA}" type="datetimeFigureOut">
               <a:rPr lang="zh-CN" altLang="en-US" smtClean="0"/>
-              <a:t>2017/3/27</a:t>
+              <a:t>2017/7/2</a:t>
             </a:fld>
             <a:endParaRPr lang="zh-CN" altLang="en-US"/>
           </a:p>
@@ -1398,7 +1299,7 @@
           <a:p>
             <a:fld id="{45077C30-8D71-4FD0-96DA-57F324E1E6FA}" type="datetimeFigureOut">
               <a:rPr lang="zh-CN" altLang="en-US" smtClean="0"/>
-              <a:t>2017/3/27</a:t>
+              <a:t>2017/7/2</a:t>
             </a:fld>
             <a:endParaRPr lang="zh-CN" altLang="en-US"/>
           </a:p>
@@ -1568,7 +1469,7 @@
           <a:p>
             <a:fld id="{45077C30-8D71-4FD0-96DA-57F324E1E6FA}" type="datetimeFigureOut">
               <a:rPr lang="zh-CN" altLang="en-US" smtClean="0"/>
-              <a:t>2017/3/27</a:t>
+              <a:t>2017/7/2</a:t>
             </a:fld>
             <a:endParaRPr lang="zh-CN" altLang="en-US"/>
           </a:p>
@@ -1814,7 +1715,7 @@
           <a:p>
             <a:fld id="{45077C30-8D71-4FD0-96DA-57F324E1E6FA}" type="datetimeFigureOut">
               <a:rPr lang="zh-CN" altLang="en-US" smtClean="0"/>
-              <a:t>2017/3/27</a:t>
+              <a:t>2017/7/2</a:t>
             </a:fld>
             <a:endParaRPr lang="zh-CN" altLang="en-US"/>
           </a:p>
@@ -2046,7 +1947,7 @@
           <a:p>
             <a:fld id="{45077C30-8D71-4FD0-96DA-57F324E1E6FA}" type="datetimeFigureOut">
               <a:rPr lang="zh-CN" altLang="en-US" smtClean="0"/>
-              <a:t>2017/3/27</a:t>
+              <a:t>2017/7/2</a:t>
             </a:fld>
             <a:endParaRPr lang="zh-CN" altLang="en-US"/>
           </a:p>
@@ -2413,7 +2314,7 @@
           <a:p>
             <a:fld id="{45077C30-8D71-4FD0-96DA-57F324E1E6FA}" type="datetimeFigureOut">
               <a:rPr lang="zh-CN" altLang="en-US" smtClean="0"/>
-              <a:t>2017/3/27</a:t>
+              <a:t>2017/7/2</a:t>
             </a:fld>
             <a:endParaRPr lang="zh-CN" altLang="en-US"/>
           </a:p>
@@ -2531,7 +2432,7 @@
           <a:p>
             <a:fld id="{45077C30-8D71-4FD0-96DA-57F324E1E6FA}" type="datetimeFigureOut">
               <a:rPr lang="zh-CN" altLang="en-US" smtClean="0"/>
-              <a:t>2017/3/27</a:t>
+              <a:t>2017/7/2</a:t>
             </a:fld>
             <a:endParaRPr lang="zh-CN" altLang="en-US"/>
           </a:p>
@@ -2626,7 +2527,7 @@
           <a:p>
             <a:fld id="{45077C30-8D71-4FD0-96DA-57F324E1E6FA}" type="datetimeFigureOut">
               <a:rPr lang="zh-CN" altLang="en-US" smtClean="0"/>
-              <a:t>2017/3/27</a:t>
+              <a:t>2017/7/2</a:t>
             </a:fld>
             <a:endParaRPr lang="zh-CN" altLang="en-US"/>
           </a:p>
@@ -2903,7 +2804,7 @@
           <a:p>
             <a:fld id="{45077C30-8D71-4FD0-96DA-57F324E1E6FA}" type="datetimeFigureOut">
               <a:rPr lang="zh-CN" altLang="en-US" smtClean="0"/>
-              <a:t>2017/3/27</a:t>
+              <a:t>2017/7/2</a:t>
             </a:fld>
             <a:endParaRPr lang="zh-CN" altLang="en-US"/>
           </a:p>
@@ -3160,7 +3061,7 @@
           <a:p>
             <a:fld id="{45077C30-8D71-4FD0-96DA-57F324E1E6FA}" type="datetimeFigureOut">
               <a:rPr lang="zh-CN" altLang="en-US" smtClean="0"/>
-              <a:t>2017/3/27</a:t>
+              <a:t>2017/7/2</a:t>
             </a:fld>
             <a:endParaRPr lang="zh-CN" altLang="en-US"/>
           </a:p>
@@ -3380,7 +3281,7 @@
           <a:p>
             <a:fld id="{45077C30-8D71-4FD0-96DA-57F324E1E6FA}" type="datetimeFigureOut">
               <a:rPr lang="zh-CN" altLang="en-US" smtClean="0"/>
-              <a:t>2017/3/27</a:t>
+              <a:t>2017/7/2</a:t>
             </a:fld>
             <a:endParaRPr lang="zh-CN" altLang="en-US"/>
           </a:p>
@@ -16735,74 +16636,6 @@
 </p:sld>
 </file>
 
-<file path=ppt/slides/slide8.xml><?xml version="1.0" encoding="utf-8"?>
-<p:sld xmlns:a="http://schemas.openxmlformats.org/drawingml/2006/main" xmlns:r="http://schemas.openxmlformats.org/officeDocument/2006/relationships" xmlns:p="http://schemas.openxmlformats.org/presentationml/2006/main">
-  <p:cSld>
-    <p:spTree>
-      <p:nvGrpSpPr>
-        <p:cNvPr id="1" name=""/>
-        <p:cNvGrpSpPr/>
-        <p:nvPr/>
-      </p:nvGrpSpPr>
-      <p:grpSpPr>
-        <a:xfrm>
-          <a:off x="0" y="0"/>
-          <a:ext cx="0" cy="0"/>
-          <a:chOff x="0" y="0"/>
-          <a:chExt cx="0" cy="0"/>
-        </a:xfrm>
-      </p:grpSpPr>
-      <p:sp>
-        <p:nvSpPr>
-          <p:cNvPr id="2" name="标题 1"/>
-          <p:cNvSpPr>
-            <a:spLocks noGrp="1"/>
-          </p:cNvSpPr>
-          <p:nvPr>
-            <p:ph type="title"/>
-          </p:nvPr>
-        </p:nvSpPr>
-        <p:spPr/>
-        <p:txBody>
-          <a:bodyPr/>
-          <a:lstStyle/>
-          <a:p>
-            <a:endParaRPr lang="zh-CN" altLang="en-US"/>
-          </a:p>
-        </p:txBody>
-      </p:sp>
-      <p:sp>
-        <p:nvSpPr>
-          <p:cNvPr id="3" name="内容占位符 2"/>
-          <p:cNvSpPr>
-            <a:spLocks noGrp="1"/>
-          </p:cNvSpPr>
-          <p:nvPr>
-            <p:ph idx="1"/>
-          </p:nvPr>
-        </p:nvSpPr>
-        <p:spPr/>
-        <p:txBody>
-          <a:bodyPr/>
-          <a:lstStyle/>
-          <a:p>
-            <a:endParaRPr lang="zh-CN" altLang="en-US" dirty="0"/>
-          </a:p>
-        </p:txBody>
-      </p:sp>
-    </p:spTree>
-    <p:extLst>
-      <p:ext uri="{BB962C8B-B14F-4D97-AF65-F5344CB8AC3E}">
-        <p14:creationId xmlns:p14="http://schemas.microsoft.com/office/powerpoint/2010/main" val="2711375516"/>
-      </p:ext>
-    </p:extLst>
-  </p:cSld>
-  <p:clrMapOvr>
-    <a:masterClrMapping/>
-  </p:clrMapOvr>
-</p:sld>
-</file>
-
 <file path=ppt/tags/tag1.xml><?xml version="1.0" encoding="utf-8"?>
 <p:tagLst xmlns:a="http://schemas.openxmlformats.org/drawingml/2006/main" xmlns:r="http://schemas.openxmlformats.org/officeDocument/2006/relationships" xmlns:p="http://schemas.openxmlformats.org/presentationml/2006/main">
   <p:tag name="PA" val="v3.0.0"/>
@@ -17083,7 +16916,7 @@
   <a:extraClrSchemeLst/>
   <a:extLst>
     <a:ext uri="{05A4C25C-085E-4340-85A3-A5531E510DB2}">
-      <thm15:themeFamily xmlns:thm15="http://schemas.microsoft.com/office/thememl/2012/main" xmlns="" name="Office Theme" id="{62F939B6-93AF-4DB8-9C6B-D6C7DFDC589F}" vid="{4A3C46E8-61CC-4603-A589-7422A47A8E4A}"/>
+      <thm15:themeFamily xmlns:thm15="http://schemas.microsoft.com/office/thememl/2012/main" name="Office Theme" id="{62F939B6-93AF-4DB8-9C6B-D6C7DFDC589F}" vid="{4A3C46E8-61CC-4603-A589-7422A47A8E4A}"/>
     </a:ext>
   </a:extLst>
 </a:theme>
